--- a/word_to_ppt/template.pptx
+++ b/word_to_ppt/template.pptx
@@ -6,13 +6,14 @@
     <p:sldMasterId id="2147483757" r:id="rId2"/>
   </p:sldMasterIdLst>
   <p:notesMasterIdLst>
-    <p:notesMasterId r:id="rId7"/>
+    <p:notesMasterId r:id="rId8"/>
   </p:notesMasterIdLst>
   <p:sldIdLst>
     <p:sldId id="4185" r:id="rId3"/>
-    <p:sldId id="4208" r:id="rId4"/>
-    <p:sldId id="496" r:id="rId5"/>
-    <p:sldId id="542" r:id="rId6"/>
+    <p:sldId id="513" r:id="rId4"/>
+    <p:sldId id="4208" r:id="rId5"/>
+    <p:sldId id="496" r:id="rId6"/>
+    <p:sldId id="542" r:id="rId7"/>
   </p:sldIdLst>
   <p:sldSz cx="9144000" cy="5143500" type="screen16x9"/>
   <p:notesSz cx="6858000" cy="9144000"/>
@@ -251,6 +252,7 @@
         <p14:section name="預設章節" id="{CA83CB9E-D072-431C-962D-610E7F43C847}">
           <p14:sldIdLst>
             <p14:sldId id="4185"/>
+            <p14:sldId id="513"/>
           </p14:sldIdLst>
         </p14:section>
         <p14:section name="證道開始" id="{62A3EBEC-82BB-4F55-9008-02EF30F979DD}">
@@ -277,7 +279,7 @@
       </p15:sldGuideLst>
     </p:ext>
     <p:ext uri="http://customooxmlschemas.google.com/">
-      <go:slidesCustomData xmlns="" xmlns:mc="http://schemas.openxmlformats.org/markup-compatibility/2006" xmlns:mv="urn:schemas-microsoft-com:mac:vml" xmlns:c="http://schemas.openxmlformats.org/drawingml/2006/chart" xmlns:dgm="http://schemas.openxmlformats.org/drawingml/2006/diagram" xmlns:o="urn:schemas-microsoft-com:office:office" xmlns:v="urn:schemas-microsoft-com:vml" xmlns:pvml="urn:schemas-microsoft-com:office:powerpoint" xmlns:com="http://schemas.openxmlformats.org/drawingml/2006/compatibility" xmlns:p14="http://schemas.microsoft.com/office/powerpoint/2010/main" xmlns:p15="http://schemas.microsoft.com/office/powerpoint/2012/main" xmlns:ahyp="http://schemas.microsoft.com/office/drawing/2018/hyperlinkcolor" xmlns:go="http://customooxmlschemas.google.com/" r:id="rId60" roundtripDataSignature="AMtx7mjrXXvwCYuda/bPSROeHAqKPlp2Jg=="/>
+      <go:slidesCustomData xmlns:go="http://customooxmlschemas.google.com/" xmlns:ahyp="http://schemas.microsoft.com/office/drawing/2018/hyperlinkcolor" xmlns:p15="http://schemas.microsoft.com/office/powerpoint/2012/main" xmlns:p14="http://schemas.microsoft.com/office/powerpoint/2010/main" xmlns:com="http://schemas.openxmlformats.org/drawingml/2006/compatibility" xmlns:pvml="urn:schemas-microsoft-com:office:powerpoint" xmlns:v="urn:schemas-microsoft-com:vml" xmlns:o="urn:schemas-microsoft-com:office:office" xmlns:dgm="http://schemas.openxmlformats.org/drawingml/2006/diagram" xmlns:c="http://schemas.openxmlformats.org/drawingml/2006/chart" xmlns:mv="urn:schemas-microsoft-com:mac:vml" xmlns:mc="http://schemas.openxmlformats.org/markup-compatibility/2006" xmlns="" r:id="rId60" roundtripDataSignature="AMtx7mjrXXvwCYuda/bPSROeHAqKPlp2Jg=="/>
     </p:ext>
   </p:extLst>
 </p:presentation>
@@ -1520,6 +1522,290 @@
 </p:sldLayout>
 </file>
 
+<file path=ppt/slideLayouts/slideLayout10.xml><?xml version="1.0" encoding="utf-8"?>
+<p:sldLayout xmlns:a="http://schemas.openxmlformats.org/drawingml/2006/main" xmlns:r="http://schemas.openxmlformats.org/officeDocument/2006/relationships" xmlns:p="http://schemas.openxmlformats.org/presentationml/2006/main" type="title" preserve="1">
+  <p:cSld name="標題投影片">
+    <p:spTree>
+      <p:nvGrpSpPr>
+        <p:cNvPr id="1" name=""/>
+        <p:cNvGrpSpPr/>
+        <p:nvPr/>
+      </p:nvGrpSpPr>
+      <p:grpSpPr>
+        <a:xfrm>
+          <a:off x="0" y="0"/>
+          <a:ext cx="0" cy="0"/>
+          <a:chOff x="0" y="0"/>
+          <a:chExt cx="0" cy="0"/>
+        </a:xfrm>
+      </p:grpSpPr>
+      <p:sp>
+        <p:nvSpPr>
+          <p:cNvPr id="2" name="Title 1"/>
+          <p:cNvSpPr>
+            <a:spLocks noGrp="1"/>
+          </p:cNvSpPr>
+          <p:nvPr>
+            <p:ph type="ctrTitle"/>
+          </p:nvPr>
+        </p:nvSpPr>
+        <p:spPr>
+          <a:xfrm>
+            <a:off x="685800" y="1028701"/>
+            <a:ext cx="7848600" cy="1445419"/>
+          </a:xfrm>
+        </p:spPr>
+        <p:txBody>
+          <a:bodyPr anchor="b">
+            <a:noAutofit/>
+          </a:bodyPr>
+          <a:lstStyle>
+            <a:lvl1pPr>
+              <a:defRPr sz="4050" cap="all" baseline="0"/>
+            </a:lvl1pPr>
+          </a:lstStyle>
+          <a:p>
+            <a:r>
+              <a:rPr lang="zh-TW" altLang="en-US"/>
+              <a:t>按一下以編輯母片標題樣式</a:t>
+            </a:r>
+            <a:endParaRPr lang="en-US" dirty="0"/>
+          </a:p>
+        </p:txBody>
+      </p:sp>
+      <p:sp>
+        <p:nvSpPr>
+          <p:cNvPr id="3" name="Subtitle 2"/>
+          <p:cNvSpPr>
+            <a:spLocks noGrp="1"/>
+          </p:cNvSpPr>
+          <p:nvPr>
+            <p:ph type="subTitle" idx="1"/>
+          </p:nvPr>
+        </p:nvSpPr>
+        <p:spPr>
+          <a:xfrm>
+            <a:off x="685800" y="2628900"/>
+            <a:ext cx="6400800" cy="1314450"/>
+          </a:xfrm>
+        </p:spPr>
+        <p:txBody>
+          <a:bodyPr/>
+          <a:lstStyle>
+            <a:lvl1pPr marL="0" indent="0" algn="l">
+              <a:buNone/>
+              <a:defRPr>
+                <a:solidFill>
+                  <a:schemeClr val="tx1">
+                    <a:lumMod val="75000"/>
+                    <a:lumOff val="25000"/>
+                  </a:schemeClr>
+                </a:solidFill>
+              </a:defRPr>
+            </a:lvl1pPr>
+            <a:lvl2pPr marL="342900" indent="0" algn="ctr">
+              <a:buNone/>
+              <a:defRPr>
+                <a:solidFill>
+                  <a:schemeClr val="tx1">
+                    <a:tint val="75000"/>
+                  </a:schemeClr>
+                </a:solidFill>
+              </a:defRPr>
+            </a:lvl2pPr>
+            <a:lvl3pPr marL="685800" indent="0" algn="ctr">
+              <a:buNone/>
+              <a:defRPr>
+                <a:solidFill>
+                  <a:schemeClr val="tx1">
+                    <a:tint val="75000"/>
+                  </a:schemeClr>
+                </a:solidFill>
+              </a:defRPr>
+            </a:lvl3pPr>
+            <a:lvl4pPr marL="1028700" indent="0" algn="ctr">
+              <a:buNone/>
+              <a:defRPr>
+                <a:solidFill>
+                  <a:schemeClr val="tx1">
+                    <a:tint val="75000"/>
+                  </a:schemeClr>
+                </a:solidFill>
+              </a:defRPr>
+            </a:lvl4pPr>
+            <a:lvl5pPr marL="1371600" indent="0" algn="ctr">
+              <a:buNone/>
+              <a:defRPr>
+                <a:solidFill>
+                  <a:schemeClr val="tx1">
+                    <a:tint val="75000"/>
+                  </a:schemeClr>
+                </a:solidFill>
+              </a:defRPr>
+            </a:lvl5pPr>
+            <a:lvl6pPr marL="1714500" indent="0" algn="ctr">
+              <a:buNone/>
+              <a:defRPr>
+                <a:solidFill>
+                  <a:schemeClr val="tx1">
+                    <a:tint val="75000"/>
+                  </a:schemeClr>
+                </a:solidFill>
+              </a:defRPr>
+            </a:lvl6pPr>
+            <a:lvl7pPr marL="2057400" indent="0" algn="ctr">
+              <a:buNone/>
+              <a:defRPr>
+                <a:solidFill>
+                  <a:schemeClr val="tx1">
+                    <a:tint val="75000"/>
+                  </a:schemeClr>
+                </a:solidFill>
+              </a:defRPr>
+            </a:lvl7pPr>
+            <a:lvl8pPr marL="2400300" indent="0" algn="ctr">
+              <a:buNone/>
+              <a:defRPr>
+                <a:solidFill>
+                  <a:schemeClr val="tx1">
+                    <a:tint val="75000"/>
+                  </a:schemeClr>
+                </a:solidFill>
+              </a:defRPr>
+            </a:lvl8pPr>
+            <a:lvl9pPr marL="2743200" indent="0" algn="ctr">
+              <a:buNone/>
+              <a:defRPr>
+                <a:solidFill>
+                  <a:schemeClr val="tx1">
+                    <a:tint val="75000"/>
+                  </a:schemeClr>
+                </a:solidFill>
+              </a:defRPr>
+            </a:lvl9pPr>
+          </a:lstStyle>
+          <a:p>
+            <a:r>
+              <a:rPr lang="zh-TW" altLang="en-US"/>
+              <a:t>按一下以編輯母片副標題樣式</a:t>
+            </a:r>
+            <a:endParaRPr lang="en-US" dirty="0"/>
+          </a:p>
+        </p:txBody>
+      </p:sp>
+      <p:sp>
+        <p:nvSpPr>
+          <p:cNvPr id="4" name="Date Placeholder 3"/>
+          <p:cNvSpPr>
+            <a:spLocks noGrp="1"/>
+          </p:cNvSpPr>
+          <p:nvPr>
+            <p:ph type="dt" sz="half" idx="10"/>
+          </p:nvPr>
+        </p:nvSpPr>
+        <p:spPr/>
+        <p:txBody>
+          <a:bodyPr/>
+          <a:lstStyle/>
+          <a:p>
+            <a:fld id="{EFE6EB62-44C9-40F9-A36C-E0D8E94446A8}" type="datetime1">
+              <a:rPr lang="zh-TW" altLang="en-US" smtClean="0"/>
+              <a:t>2026/1/10</a:t>
+            </a:fld>
+            <a:endParaRPr lang="zh-TW" altLang="en-US"/>
+          </a:p>
+        </p:txBody>
+      </p:sp>
+      <p:sp>
+        <p:nvSpPr>
+          <p:cNvPr id="5" name="Footer Placeholder 4"/>
+          <p:cNvSpPr>
+            <a:spLocks noGrp="1"/>
+          </p:cNvSpPr>
+          <p:nvPr>
+            <p:ph type="ftr" sz="quarter" idx="11"/>
+          </p:nvPr>
+        </p:nvSpPr>
+        <p:spPr/>
+        <p:txBody>
+          <a:bodyPr/>
+          <a:lstStyle/>
+          <a:p>
+            <a:endParaRPr lang="zh-TW" altLang="en-US"/>
+          </a:p>
+        </p:txBody>
+      </p:sp>
+      <p:sp>
+        <p:nvSpPr>
+          <p:cNvPr id="6" name="Slide Number Placeholder 5"/>
+          <p:cNvSpPr>
+            <a:spLocks noGrp="1"/>
+          </p:cNvSpPr>
+          <p:nvPr>
+            <p:ph type="sldNum" sz="quarter" idx="12"/>
+          </p:nvPr>
+        </p:nvSpPr>
+        <p:spPr/>
+        <p:txBody>
+          <a:bodyPr/>
+          <a:lstStyle/>
+          <a:p>
+            <a:fld id="{D747DD56-38EE-41AC-B578-8798F888B38C}" type="slidenum">
+              <a:rPr lang="zh-TW" altLang="en-US" smtClean="0"/>
+              <a:t>‹#›</a:t>
+            </a:fld>
+            <a:endParaRPr lang="zh-TW" altLang="en-US"/>
+          </a:p>
+        </p:txBody>
+      </p:sp>
+      <p:cxnSp>
+        <p:nvCxnSpPr>
+          <p:cNvPr id="8" name="Straight Connector 7"/>
+          <p:cNvCxnSpPr/>
+          <p:nvPr/>
+        </p:nvCxnSpPr>
+        <p:spPr>
+          <a:xfrm>
+            <a:off x="685800" y="2548890"/>
+            <a:ext cx="7848600" cy="1191"/>
+          </a:xfrm>
+          <a:prstGeom prst="line">
+            <a:avLst/>
+          </a:prstGeom>
+          <a:ln w="19050">
+            <a:solidFill>
+              <a:schemeClr val="tx2"/>
+            </a:solidFill>
+          </a:ln>
+        </p:spPr>
+        <p:style>
+          <a:lnRef idx="1">
+            <a:schemeClr val="accent1"/>
+          </a:lnRef>
+          <a:fillRef idx="0">
+            <a:schemeClr val="accent1"/>
+          </a:fillRef>
+          <a:effectRef idx="0">
+            <a:schemeClr val="accent1"/>
+          </a:effectRef>
+          <a:fontRef idx="minor">
+            <a:schemeClr val="tx1"/>
+          </a:fontRef>
+        </p:style>
+      </p:cxnSp>
+    </p:spTree>
+    <p:extLst>
+      <p:ext uri="{BB962C8B-B14F-4D97-AF65-F5344CB8AC3E}">
+        <p14:creationId xmlns:p14="http://schemas.microsoft.com/office/powerpoint/2010/main" val="2891572347"/>
+      </p:ext>
+    </p:extLst>
+  </p:cSld>
+  <p:clrMapOvr>
+    <a:masterClrMapping/>
+  </p:clrMapOvr>
+</p:sldLayout>
+</file>
+
 <file path=ppt/slideLayouts/slideLayout2.xml><?xml version="1.0" encoding="utf-8"?>
 <p:sldLayout xmlns:a="http://schemas.openxmlformats.org/drawingml/2006/main" xmlns:r="http://schemas.openxmlformats.org/officeDocument/2006/relationships" xmlns:p="http://schemas.openxmlformats.org/presentationml/2006/main" matchingName="比對" type="twoTxTwoObj">
   <p:cSld name="比對">
@@ -6912,6 +7198,767 @@
 </file>
 
 <file path=ppt/slideLayouts/slideLayout8.xml><?xml version="1.0" encoding="utf-8"?>
+<p:sldLayout xmlns:a="http://schemas.openxmlformats.org/drawingml/2006/main" xmlns:r="http://schemas.openxmlformats.org/officeDocument/2006/relationships" xmlns:p="http://schemas.openxmlformats.org/presentationml/2006/main" matchingName="標題投影片" type="title">
+  <p:cSld name="1_標題投影片">
+    <p:spTree>
+      <p:nvGrpSpPr>
+        <p:cNvPr id="1" name="Shape 90"/>
+        <p:cNvGrpSpPr/>
+        <p:nvPr/>
+      </p:nvGrpSpPr>
+      <p:grpSpPr>
+        <a:xfrm>
+          <a:off x="0" y="0"/>
+          <a:ext cx="0" cy="0"/>
+          <a:chOff x="0" y="0"/>
+          <a:chExt cx="0" cy="0"/>
+        </a:xfrm>
+      </p:grpSpPr>
+      <p:sp>
+        <p:nvSpPr>
+          <p:cNvPr id="91" name="Google Shape;91;p27"/>
+          <p:cNvSpPr txBox="1">
+            <a:spLocks noGrp="1"/>
+          </p:cNvSpPr>
+          <p:nvPr>
+            <p:ph type="ctrTitle"/>
+          </p:nvPr>
+        </p:nvSpPr>
+        <p:spPr>
+          <a:xfrm>
+            <a:off x="1143000" y="841772"/>
+            <a:ext cx="6858000" cy="1790700"/>
+          </a:xfrm>
+          <a:prstGeom prst="rect">
+            <a:avLst/>
+          </a:prstGeom>
+          <a:noFill/>
+          <a:ln>
+            <a:noFill/>
+          </a:ln>
+        </p:spPr>
+        <p:txBody>
+          <a:bodyPr spcFirstLastPara="1" wrap="square" lIns="68480" tIns="34274" rIns="68480" bIns="34274" anchor="b" anchorCtr="0">
+            <a:normAutofit/>
+          </a:bodyPr>
+          <a:lstStyle>
+            <a:lvl1pPr lvl="0" algn="ctr">
+              <a:lnSpc>
+                <a:spcPct val="90000"/>
+              </a:lnSpc>
+              <a:spcBef>
+                <a:spcPts val="0"/>
+              </a:spcBef>
+              <a:spcAft>
+                <a:spcPts val="0"/>
+              </a:spcAft>
+              <a:buClr>
+                <a:schemeClr val="dk1"/>
+              </a:buClr>
+              <a:buSzPts val="4500"/>
+              <a:buFont typeface="Calibri"/>
+              <a:buNone/>
+              <a:defRPr sz="4500"/>
+            </a:lvl1pPr>
+            <a:lvl2pPr lvl="1">
+              <a:spcBef>
+                <a:spcPts val="0"/>
+              </a:spcBef>
+              <a:spcAft>
+                <a:spcPts val="0"/>
+              </a:spcAft>
+              <a:buSzPts val="1400"/>
+              <a:buNone/>
+              <a:defRPr/>
+            </a:lvl2pPr>
+            <a:lvl3pPr lvl="2">
+              <a:spcBef>
+                <a:spcPts val="0"/>
+              </a:spcBef>
+              <a:spcAft>
+                <a:spcPts val="0"/>
+              </a:spcAft>
+              <a:buSzPts val="1400"/>
+              <a:buNone/>
+              <a:defRPr/>
+            </a:lvl3pPr>
+            <a:lvl4pPr lvl="3">
+              <a:spcBef>
+                <a:spcPts val="0"/>
+              </a:spcBef>
+              <a:spcAft>
+                <a:spcPts val="0"/>
+              </a:spcAft>
+              <a:buSzPts val="1400"/>
+              <a:buNone/>
+              <a:defRPr/>
+            </a:lvl4pPr>
+            <a:lvl5pPr lvl="4">
+              <a:spcBef>
+                <a:spcPts val="0"/>
+              </a:spcBef>
+              <a:spcAft>
+                <a:spcPts val="0"/>
+              </a:spcAft>
+              <a:buSzPts val="1400"/>
+              <a:buNone/>
+              <a:defRPr/>
+            </a:lvl5pPr>
+            <a:lvl6pPr lvl="5">
+              <a:spcBef>
+                <a:spcPts val="0"/>
+              </a:spcBef>
+              <a:spcAft>
+                <a:spcPts val="0"/>
+              </a:spcAft>
+              <a:buSzPts val="1400"/>
+              <a:buNone/>
+              <a:defRPr/>
+            </a:lvl6pPr>
+            <a:lvl7pPr lvl="6">
+              <a:spcBef>
+                <a:spcPts val="0"/>
+              </a:spcBef>
+              <a:spcAft>
+                <a:spcPts val="0"/>
+              </a:spcAft>
+              <a:buSzPts val="1400"/>
+              <a:buNone/>
+              <a:defRPr/>
+            </a:lvl7pPr>
+            <a:lvl8pPr lvl="7">
+              <a:spcBef>
+                <a:spcPts val="0"/>
+              </a:spcBef>
+              <a:spcAft>
+                <a:spcPts val="0"/>
+              </a:spcAft>
+              <a:buSzPts val="1400"/>
+              <a:buNone/>
+              <a:defRPr/>
+            </a:lvl8pPr>
+            <a:lvl9pPr lvl="8">
+              <a:spcBef>
+                <a:spcPts val="0"/>
+              </a:spcBef>
+              <a:spcAft>
+                <a:spcPts val="0"/>
+              </a:spcAft>
+              <a:buSzPts val="1400"/>
+              <a:buNone/>
+              <a:defRPr/>
+            </a:lvl9pPr>
+          </a:lstStyle>
+          <a:p>
+            <a:endParaRPr/>
+          </a:p>
+        </p:txBody>
+      </p:sp>
+      <p:sp>
+        <p:nvSpPr>
+          <p:cNvPr id="92" name="Google Shape;92;p27"/>
+          <p:cNvSpPr txBox="1">
+            <a:spLocks noGrp="1"/>
+          </p:cNvSpPr>
+          <p:nvPr>
+            <p:ph type="subTitle" idx="1"/>
+          </p:nvPr>
+        </p:nvSpPr>
+        <p:spPr>
+          <a:xfrm>
+            <a:off x="1143000" y="2701528"/>
+            <a:ext cx="6858000" cy="1241822"/>
+          </a:xfrm>
+          <a:prstGeom prst="rect">
+            <a:avLst/>
+          </a:prstGeom>
+          <a:noFill/>
+          <a:ln>
+            <a:noFill/>
+          </a:ln>
+        </p:spPr>
+        <p:txBody>
+          <a:bodyPr spcFirstLastPara="1" wrap="square" lIns="68480" tIns="34274" rIns="68480" bIns="34274" anchor="t" anchorCtr="0">
+            <a:normAutofit/>
+          </a:bodyPr>
+          <a:lstStyle>
+            <a:lvl1pPr lvl="0" algn="ctr">
+              <a:lnSpc>
+                <a:spcPct val="90000"/>
+              </a:lnSpc>
+              <a:spcBef>
+                <a:spcPts val="750"/>
+              </a:spcBef>
+              <a:spcAft>
+                <a:spcPts val="0"/>
+              </a:spcAft>
+              <a:buClr>
+                <a:schemeClr val="dk1"/>
+              </a:buClr>
+              <a:buSzPts val="1800"/>
+              <a:buNone/>
+              <a:defRPr sz="1800"/>
+            </a:lvl1pPr>
+            <a:lvl2pPr lvl="1" algn="ctr">
+              <a:lnSpc>
+                <a:spcPct val="90000"/>
+              </a:lnSpc>
+              <a:spcBef>
+                <a:spcPts val="375"/>
+              </a:spcBef>
+              <a:spcAft>
+                <a:spcPts val="0"/>
+              </a:spcAft>
+              <a:buClr>
+                <a:schemeClr val="dk1"/>
+              </a:buClr>
+              <a:buSzPts val="1500"/>
+              <a:buNone/>
+              <a:defRPr sz="1500"/>
+            </a:lvl2pPr>
+            <a:lvl3pPr lvl="2" algn="ctr">
+              <a:lnSpc>
+                <a:spcPct val="90000"/>
+              </a:lnSpc>
+              <a:spcBef>
+                <a:spcPts val="375"/>
+              </a:spcBef>
+              <a:spcAft>
+                <a:spcPts val="0"/>
+              </a:spcAft>
+              <a:buClr>
+                <a:schemeClr val="dk1"/>
+              </a:buClr>
+              <a:buSzPts val="1400"/>
+              <a:buNone/>
+              <a:defRPr sz="1400"/>
+            </a:lvl3pPr>
+            <a:lvl4pPr lvl="3" algn="ctr">
+              <a:lnSpc>
+                <a:spcPct val="90000"/>
+              </a:lnSpc>
+              <a:spcBef>
+                <a:spcPts val="375"/>
+              </a:spcBef>
+              <a:spcAft>
+                <a:spcPts val="0"/>
+              </a:spcAft>
+              <a:buClr>
+                <a:schemeClr val="dk1"/>
+              </a:buClr>
+              <a:buSzPts val="1200"/>
+              <a:buNone/>
+              <a:defRPr sz="1200"/>
+            </a:lvl4pPr>
+            <a:lvl5pPr lvl="4" algn="ctr">
+              <a:lnSpc>
+                <a:spcPct val="90000"/>
+              </a:lnSpc>
+              <a:spcBef>
+                <a:spcPts val="375"/>
+              </a:spcBef>
+              <a:spcAft>
+                <a:spcPts val="0"/>
+              </a:spcAft>
+              <a:buClr>
+                <a:schemeClr val="dk1"/>
+              </a:buClr>
+              <a:buSzPts val="1200"/>
+              <a:buNone/>
+              <a:defRPr sz="1200"/>
+            </a:lvl5pPr>
+            <a:lvl6pPr lvl="5" algn="ctr">
+              <a:lnSpc>
+                <a:spcPct val="90000"/>
+              </a:lnSpc>
+              <a:spcBef>
+                <a:spcPts val="375"/>
+              </a:spcBef>
+              <a:spcAft>
+                <a:spcPts val="0"/>
+              </a:spcAft>
+              <a:buClr>
+                <a:schemeClr val="dk1"/>
+              </a:buClr>
+              <a:buSzPts val="1200"/>
+              <a:buNone/>
+              <a:defRPr sz="1200"/>
+            </a:lvl6pPr>
+            <a:lvl7pPr lvl="6" algn="ctr">
+              <a:lnSpc>
+                <a:spcPct val="90000"/>
+              </a:lnSpc>
+              <a:spcBef>
+                <a:spcPts val="375"/>
+              </a:spcBef>
+              <a:spcAft>
+                <a:spcPts val="0"/>
+              </a:spcAft>
+              <a:buClr>
+                <a:schemeClr val="dk1"/>
+              </a:buClr>
+              <a:buSzPts val="1200"/>
+              <a:buNone/>
+              <a:defRPr sz="1200"/>
+            </a:lvl7pPr>
+            <a:lvl8pPr lvl="7" algn="ctr">
+              <a:lnSpc>
+                <a:spcPct val="90000"/>
+              </a:lnSpc>
+              <a:spcBef>
+                <a:spcPts val="375"/>
+              </a:spcBef>
+              <a:spcAft>
+                <a:spcPts val="0"/>
+              </a:spcAft>
+              <a:buClr>
+                <a:schemeClr val="dk1"/>
+              </a:buClr>
+              <a:buSzPts val="1200"/>
+              <a:buNone/>
+              <a:defRPr sz="1200"/>
+            </a:lvl8pPr>
+            <a:lvl9pPr lvl="8" algn="ctr">
+              <a:lnSpc>
+                <a:spcPct val="90000"/>
+              </a:lnSpc>
+              <a:spcBef>
+                <a:spcPts val="375"/>
+              </a:spcBef>
+              <a:spcAft>
+                <a:spcPts val="0"/>
+              </a:spcAft>
+              <a:buClr>
+                <a:schemeClr val="dk1"/>
+              </a:buClr>
+              <a:buSzPts val="1200"/>
+              <a:buNone/>
+              <a:defRPr sz="1200"/>
+            </a:lvl9pPr>
+          </a:lstStyle>
+          <a:p>
+            <a:endParaRPr/>
+          </a:p>
+        </p:txBody>
+      </p:sp>
+      <p:sp>
+        <p:nvSpPr>
+          <p:cNvPr id="93" name="Google Shape;93;p27"/>
+          <p:cNvSpPr txBox="1">
+            <a:spLocks noGrp="1"/>
+          </p:cNvSpPr>
+          <p:nvPr>
+            <p:ph type="dt" idx="10"/>
+          </p:nvPr>
+        </p:nvSpPr>
+        <p:spPr>
+          <a:xfrm>
+            <a:off x="628650" y="4767264"/>
+            <a:ext cx="2057400" cy="273844"/>
+          </a:xfrm>
+          <a:prstGeom prst="rect">
+            <a:avLst/>
+          </a:prstGeom>
+          <a:noFill/>
+          <a:ln>
+            <a:noFill/>
+          </a:ln>
+        </p:spPr>
+        <p:txBody>
+          <a:bodyPr spcFirstLastPara="1" wrap="square" lIns="68480" tIns="34274" rIns="68480" bIns="34274" anchor="ctr" anchorCtr="0">
+            <a:noAutofit/>
+          </a:bodyPr>
+          <a:lstStyle>
+            <a:lvl1pPr lvl="0" algn="l">
+              <a:spcBef>
+                <a:spcPts val="0"/>
+              </a:spcBef>
+              <a:spcAft>
+                <a:spcPts val="0"/>
+              </a:spcAft>
+              <a:buSzPts val="1400"/>
+              <a:buNone/>
+              <a:defRPr/>
+            </a:lvl1pPr>
+            <a:lvl2pPr lvl="1" algn="l">
+              <a:spcBef>
+                <a:spcPts val="0"/>
+              </a:spcBef>
+              <a:spcAft>
+                <a:spcPts val="0"/>
+              </a:spcAft>
+              <a:buSzPts val="1400"/>
+              <a:buNone/>
+              <a:defRPr/>
+            </a:lvl2pPr>
+            <a:lvl3pPr lvl="2" algn="l">
+              <a:spcBef>
+                <a:spcPts val="0"/>
+              </a:spcBef>
+              <a:spcAft>
+                <a:spcPts val="0"/>
+              </a:spcAft>
+              <a:buSzPts val="1400"/>
+              <a:buNone/>
+              <a:defRPr/>
+            </a:lvl3pPr>
+            <a:lvl4pPr lvl="3" algn="l">
+              <a:spcBef>
+                <a:spcPts val="0"/>
+              </a:spcBef>
+              <a:spcAft>
+                <a:spcPts val="0"/>
+              </a:spcAft>
+              <a:buSzPts val="1400"/>
+              <a:buNone/>
+              <a:defRPr/>
+            </a:lvl4pPr>
+            <a:lvl5pPr lvl="4" algn="l">
+              <a:spcBef>
+                <a:spcPts val="0"/>
+              </a:spcBef>
+              <a:spcAft>
+                <a:spcPts val="0"/>
+              </a:spcAft>
+              <a:buSzPts val="1400"/>
+              <a:buNone/>
+              <a:defRPr/>
+            </a:lvl5pPr>
+            <a:lvl6pPr lvl="5" algn="l">
+              <a:spcBef>
+                <a:spcPts val="0"/>
+              </a:spcBef>
+              <a:spcAft>
+                <a:spcPts val="0"/>
+              </a:spcAft>
+              <a:buSzPts val="1400"/>
+              <a:buNone/>
+              <a:defRPr/>
+            </a:lvl6pPr>
+            <a:lvl7pPr lvl="6" algn="l">
+              <a:spcBef>
+                <a:spcPts val="0"/>
+              </a:spcBef>
+              <a:spcAft>
+                <a:spcPts val="0"/>
+              </a:spcAft>
+              <a:buSzPts val="1400"/>
+              <a:buNone/>
+              <a:defRPr/>
+            </a:lvl7pPr>
+            <a:lvl8pPr lvl="7" algn="l">
+              <a:spcBef>
+                <a:spcPts val="0"/>
+              </a:spcBef>
+              <a:spcAft>
+                <a:spcPts val="0"/>
+              </a:spcAft>
+              <a:buSzPts val="1400"/>
+              <a:buNone/>
+              <a:defRPr/>
+            </a:lvl8pPr>
+            <a:lvl9pPr lvl="8" algn="l">
+              <a:spcBef>
+                <a:spcPts val="0"/>
+              </a:spcBef>
+              <a:spcAft>
+                <a:spcPts val="0"/>
+              </a:spcAft>
+              <a:buSzPts val="1400"/>
+              <a:buNone/>
+              <a:defRPr/>
+            </a:lvl9pPr>
+          </a:lstStyle>
+          <a:p>
+            <a:endParaRPr/>
+          </a:p>
+        </p:txBody>
+      </p:sp>
+      <p:sp>
+        <p:nvSpPr>
+          <p:cNvPr id="94" name="Google Shape;94;p27"/>
+          <p:cNvSpPr txBox="1">
+            <a:spLocks noGrp="1"/>
+          </p:cNvSpPr>
+          <p:nvPr>
+            <p:ph type="ftr" idx="11"/>
+          </p:nvPr>
+        </p:nvSpPr>
+        <p:spPr>
+          <a:xfrm>
+            <a:off x="3028950" y="4767264"/>
+            <a:ext cx="3086100" cy="273844"/>
+          </a:xfrm>
+          <a:prstGeom prst="rect">
+            <a:avLst/>
+          </a:prstGeom>
+          <a:noFill/>
+          <a:ln>
+            <a:noFill/>
+          </a:ln>
+        </p:spPr>
+        <p:txBody>
+          <a:bodyPr spcFirstLastPara="1" wrap="square" lIns="68480" tIns="34274" rIns="68480" bIns="34274" anchor="ctr" anchorCtr="0">
+            <a:noAutofit/>
+          </a:bodyPr>
+          <a:lstStyle>
+            <a:lvl1pPr lvl="0" algn="ctr">
+              <a:spcBef>
+                <a:spcPts val="0"/>
+              </a:spcBef>
+              <a:spcAft>
+                <a:spcPts val="0"/>
+              </a:spcAft>
+              <a:buSzPts val="1400"/>
+              <a:buNone/>
+              <a:defRPr/>
+            </a:lvl1pPr>
+            <a:lvl2pPr lvl="1" algn="l">
+              <a:spcBef>
+                <a:spcPts val="0"/>
+              </a:spcBef>
+              <a:spcAft>
+                <a:spcPts val="0"/>
+              </a:spcAft>
+              <a:buSzPts val="1400"/>
+              <a:buNone/>
+              <a:defRPr/>
+            </a:lvl2pPr>
+            <a:lvl3pPr lvl="2" algn="l">
+              <a:spcBef>
+                <a:spcPts val="0"/>
+              </a:spcBef>
+              <a:spcAft>
+                <a:spcPts val="0"/>
+              </a:spcAft>
+              <a:buSzPts val="1400"/>
+              <a:buNone/>
+              <a:defRPr/>
+            </a:lvl3pPr>
+            <a:lvl4pPr lvl="3" algn="l">
+              <a:spcBef>
+                <a:spcPts val="0"/>
+              </a:spcBef>
+              <a:spcAft>
+                <a:spcPts val="0"/>
+              </a:spcAft>
+              <a:buSzPts val="1400"/>
+              <a:buNone/>
+              <a:defRPr/>
+            </a:lvl4pPr>
+            <a:lvl5pPr lvl="4" algn="l">
+              <a:spcBef>
+                <a:spcPts val="0"/>
+              </a:spcBef>
+              <a:spcAft>
+                <a:spcPts val="0"/>
+              </a:spcAft>
+              <a:buSzPts val="1400"/>
+              <a:buNone/>
+              <a:defRPr/>
+            </a:lvl5pPr>
+            <a:lvl6pPr lvl="5" algn="l">
+              <a:spcBef>
+                <a:spcPts val="0"/>
+              </a:spcBef>
+              <a:spcAft>
+                <a:spcPts val="0"/>
+              </a:spcAft>
+              <a:buSzPts val="1400"/>
+              <a:buNone/>
+              <a:defRPr/>
+            </a:lvl6pPr>
+            <a:lvl7pPr lvl="6" algn="l">
+              <a:spcBef>
+                <a:spcPts val="0"/>
+              </a:spcBef>
+              <a:spcAft>
+                <a:spcPts val="0"/>
+              </a:spcAft>
+              <a:buSzPts val="1400"/>
+              <a:buNone/>
+              <a:defRPr/>
+            </a:lvl7pPr>
+            <a:lvl8pPr lvl="7" algn="l">
+              <a:spcBef>
+                <a:spcPts val="0"/>
+              </a:spcBef>
+              <a:spcAft>
+                <a:spcPts val="0"/>
+              </a:spcAft>
+              <a:buSzPts val="1400"/>
+              <a:buNone/>
+              <a:defRPr/>
+            </a:lvl8pPr>
+            <a:lvl9pPr lvl="8" algn="l">
+              <a:spcBef>
+                <a:spcPts val="0"/>
+              </a:spcBef>
+              <a:spcAft>
+                <a:spcPts val="0"/>
+              </a:spcAft>
+              <a:buSzPts val="1400"/>
+              <a:buNone/>
+              <a:defRPr/>
+            </a:lvl9pPr>
+          </a:lstStyle>
+          <a:p>
+            <a:endParaRPr/>
+          </a:p>
+        </p:txBody>
+      </p:sp>
+      <p:sp>
+        <p:nvSpPr>
+          <p:cNvPr id="95" name="Google Shape;95;p27"/>
+          <p:cNvSpPr txBox="1">
+            <a:spLocks noGrp="1"/>
+          </p:cNvSpPr>
+          <p:nvPr>
+            <p:ph type="sldNum" idx="12"/>
+          </p:nvPr>
+        </p:nvSpPr>
+        <p:spPr>
+          <a:xfrm>
+            <a:off x="6457950" y="4767264"/>
+            <a:ext cx="2057400" cy="273844"/>
+          </a:xfrm>
+          <a:prstGeom prst="rect">
+            <a:avLst/>
+          </a:prstGeom>
+          <a:noFill/>
+          <a:ln>
+            <a:noFill/>
+          </a:ln>
+        </p:spPr>
+        <p:txBody>
+          <a:bodyPr spcFirstLastPara="1" wrap="square" lIns="68480" tIns="34274" rIns="68480" bIns="34274" anchor="ctr" anchorCtr="0">
+            <a:noAutofit/>
+          </a:bodyPr>
+          <a:lstStyle>
+            <a:lvl1pPr marL="0" lvl="0" indent="0" algn="r">
+              <a:spcBef>
+                <a:spcPts val="0"/>
+              </a:spcBef>
+              <a:buNone/>
+              <a:defRPr>
+                <a:solidFill>
+                  <a:srgbClr val="888888"/>
+                </a:solidFill>
+              </a:defRPr>
+            </a:lvl1pPr>
+            <a:lvl2pPr marL="0" lvl="1" indent="0" algn="r">
+              <a:spcBef>
+                <a:spcPts val="0"/>
+              </a:spcBef>
+              <a:buNone/>
+              <a:defRPr>
+                <a:solidFill>
+                  <a:srgbClr val="888888"/>
+                </a:solidFill>
+              </a:defRPr>
+            </a:lvl2pPr>
+            <a:lvl3pPr marL="0" lvl="2" indent="0" algn="r">
+              <a:spcBef>
+                <a:spcPts val="0"/>
+              </a:spcBef>
+              <a:buNone/>
+              <a:defRPr>
+                <a:solidFill>
+                  <a:srgbClr val="888888"/>
+                </a:solidFill>
+              </a:defRPr>
+            </a:lvl3pPr>
+            <a:lvl4pPr marL="0" lvl="3" indent="0" algn="r">
+              <a:spcBef>
+                <a:spcPts val="0"/>
+              </a:spcBef>
+              <a:buNone/>
+              <a:defRPr>
+                <a:solidFill>
+                  <a:srgbClr val="888888"/>
+                </a:solidFill>
+              </a:defRPr>
+            </a:lvl4pPr>
+            <a:lvl5pPr marL="0" lvl="4" indent="0" algn="r">
+              <a:spcBef>
+                <a:spcPts val="0"/>
+              </a:spcBef>
+              <a:buNone/>
+              <a:defRPr>
+                <a:solidFill>
+                  <a:srgbClr val="888888"/>
+                </a:solidFill>
+              </a:defRPr>
+            </a:lvl5pPr>
+            <a:lvl6pPr marL="0" lvl="5" indent="0" algn="r">
+              <a:spcBef>
+                <a:spcPts val="0"/>
+              </a:spcBef>
+              <a:buNone/>
+              <a:defRPr>
+                <a:solidFill>
+                  <a:srgbClr val="888888"/>
+                </a:solidFill>
+              </a:defRPr>
+            </a:lvl6pPr>
+            <a:lvl7pPr marL="0" lvl="6" indent="0" algn="r">
+              <a:spcBef>
+                <a:spcPts val="0"/>
+              </a:spcBef>
+              <a:buNone/>
+              <a:defRPr>
+                <a:solidFill>
+                  <a:srgbClr val="888888"/>
+                </a:solidFill>
+              </a:defRPr>
+            </a:lvl7pPr>
+            <a:lvl8pPr marL="0" lvl="7" indent="0" algn="r">
+              <a:spcBef>
+                <a:spcPts val="0"/>
+              </a:spcBef>
+              <a:buNone/>
+              <a:defRPr>
+                <a:solidFill>
+                  <a:srgbClr val="888888"/>
+                </a:solidFill>
+              </a:defRPr>
+            </a:lvl8pPr>
+            <a:lvl9pPr marL="0" lvl="8" indent="0" algn="r">
+              <a:spcBef>
+                <a:spcPts val="0"/>
+              </a:spcBef>
+              <a:buNone/>
+              <a:defRPr>
+                <a:solidFill>
+                  <a:srgbClr val="888888"/>
+                </a:solidFill>
+              </a:defRPr>
+            </a:lvl9pPr>
+          </a:lstStyle>
+          <a:p>
+            <a:fld id="{00000000-1234-1234-1234-123412341234}" type="slidenum">
+              <a:rPr lang="en-US" altLang="zh-TW" smtClean="0"/>
+              <a:pPr/>
+              <a:t>‹#›</a:t>
+            </a:fld>
+            <a:endParaRPr lang="zh-TW" altLang="en-US"/>
+          </a:p>
+        </p:txBody>
+      </p:sp>
+    </p:spTree>
+    <p:extLst>
+      <p:ext uri="{BB962C8B-B14F-4D97-AF65-F5344CB8AC3E}">
+        <p14:creationId xmlns:p14="http://schemas.microsoft.com/office/powerpoint/2010/main" val="1865867382"/>
+      </p:ext>
+    </p:extLst>
+  </p:cSld>
+  <p:clrMapOvr>
+    <a:masterClrMapping/>
+  </p:clrMapOvr>
+</p:sldLayout>
+</file>
+
+<file path=ppt/slideLayouts/slideLayout9.xml><?xml version="1.0" encoding="utf-8"?>
 <p:sldLayout xmlns:a="http://schemas.openxmlformats.org/drawingml/2006/main" xmlns:r="http://schemas.openxmlformats.org/officeDocument/2006/relationships" xmlns:p="http://schemas.openxmlformats.org/presentationml/2006/main" type="obj" preserve="1">
   <p:cSld name="標題及物件">
     <p:spTree>
@@ -7020,7 +8067,7 @@
           <a:p>
             <a:fld id="{BA1C8DEA-F152-4CE9-A566-9786855746A0}" type="datetime1">
               <a:rPr lang="zh-TW" altLang="en-US" smtClean="0"/>
-              <a:t>2026/1/8</a:t>
+              <a:t>2026/1/10</a:t>
             </a:fld>
             <a:endParaRPr lang="zh-TW" altLang="en-US"/>
           </a:p>
@@ -7081,297 +8128,13 @@
 </p:sldLayout>
 </file>
 
-<file path=ppt/slideLayouts/slideLayout9.xml><?xml version="1.0" encoding="utf-8"?>
-<p:sldLayout xmlns:a="http://schemas.openxmlformats.org/drawingml/2006/main" xmlns:r="http://schemas.openxmlformats.org/officeDocument/2006/relationships" xmlns:p="http://schemas.openxmlformats.org/presentationml/2006/main" type="title" preserve="1">
-  <p:cSld name="標題投影片">
-    <p:spTree>
-      <p:nvGrpSpPr>
-        <p:cNvPr id="1" name=""/>
-        <p:cNvGrpSpPr/>
-        <p:nvPr/>
-      </p:nvGrpSpPr>
-      <p:grpSpPr>
-        <a:xfrm>
-          <a:off x="0" y="0"/>
-          <a:ext cx="0" cy="0"/>
-          <a:chOff x="0" y="0"/>
-          <a:chExt cx="0" cy="0"/>
-        </a:xfrm>
-      </p:grpSpPr>
-      <p:sp>
-        <p:nvSpPr>
-          <p:cNvPr id="2" name="Title 1"/>
-          <p:cNvSpPr>
-            <a:spLocks noGrp="1"/>
-          </p:cNvSpPr>
-          <p:nvPr>
-            <p:ph type="ctrTitle"/>
-          </p:nvPr>
-        </p:nvSpPr>
-        <p:spPr>
-          <a:xfrm>
-            <a:off x="685800" y="1028701"/>
-            <a:ext cx="7848600" cy="1445419"/>
-          </a:xfrm>
-        </p:spPr>
-        <p:txBody>
-          <a:bodyPr anchor="b">
-            <a:noAutofit/>
-          </a:bodyPr>
-          <a:lstStyle>
-            <a:lvl1pPr>
-              <a:defRPr sz="4050" cap="all" baseline="0"/>
-            </a:lvl1pPr>
-          </a:lstStyle>
-          <a:p>
-            <a:r>
-              <a:rPr lang="zh-TW" altLang="en-US"/>
-              <a:t>按一下以編輯母片標題樣式</a:t>
-            </a:r>
-            <a:endParaRPr lang="en-US" dirty="0"/>
-          </a:p>
-        </p:txBody>
-      </p:sp>
-      <p:sp>
-        <p:nvSpPr>
-          <p:cNvPr id="3" name="Subtitle 2"/>
-          <p:cNvSpPr>
-            <a:spLocks noGrp="1"/>
-          </p:cNvSpPr>
-          <p:nvPr>
-            <p:ph type="subTitle" idx="1"/>
-          </p:nvPr>
-        </p:nvSpPr>
-        <p:spPr>
-          <a:xfrm>
-            <a:off x="685800" y="2628900"/>
-            <a:ext cx="6400800" cy="1314450"/>
-          </a:xfrm>
-        </p:spPr>
-        <p:txBody>
-          <a:bodyPr/>
-          <a:lstStyle>
-            <a:lvl1pPr marL="0" indent="0" algn="l">
-              <a:buNone/>
-              <a:defRPr>
-                <a:solidFill>
-                  <a:schemeClr val="tx1">
-                    <a:lumMod val="75000"/>
-                    <a:lumOff val="25000"/>
-                  </a:schemeClr>
-                </a:solidFill>
-              </a:defRPr>
-            </a:lvl1pPr>
-            <a:lvl2pPr marL="342900" indent="0" algn="ctr">
-              <a:buNone/>
-              <a:defRPr>
-                <a:solidFill>
-                  <a:schemeClr val="tx1">
-                    <a:tint val="75000"/>
-                  </a:schemeClr>
-                </a:solidFill>
-              </a:defRPr>
-            </a:lvl2pPr>
-            <a:lvl3pPr marL="685800" indent="0" algn="ctr">
-              <a:buNone/>
-              <a:defRPr>
-                <a:solidFill>
-                  <a:schemeClr val="tx1">
-                    <a:tint val="75000"/>
-                  </a:schemeClr>
-                </a:solidFill>
-              </a:defRPr>
-            </a:lvl3pPr>
-            <a:lvl4pPr marL="1028700" indent="0" algn="ctr">
-              <a:buNone/>
-              <a:defRPr>
-                <a:solidFill>
-                  <a:schemeClr val="tx1">
-                    <a:tint val="75000"/>
-                  </a:schemeClr>
-                </a:solidFill>
-              </a:defRPr>
-            </a:lvl4pPr>
-            <a:lvl5pPr marL="1371600" indent="0" algn="ctr">
-              <a:buNone/>
-              <a:defRPr>
-                <a:solidFill>
-                  <a:schemeClr val="tx1">
-                    <a:tint val="75000"/>
-                  </a:schemeClr>
-                </a:solidFill>
-              </a:defRPr>
-            </a:lvl5pPr>
-            <a:lvl6pPr marL="1714500" indent="0" algn="ctr">
-              <a:buNone/>
-              <a:defRPr>
-                <a:solidFill>
-                  <a:schemeClr val="tx1">
-                    <a:tint val="75000"/>
-                  </a:schemeClr>
-                </a:solidFill>
-              </a:defRPr>
-            </a:lvl6pPr>
-            <a:lvl7pPr marL="2057400" indent="0" algn="ctr">
-              <a:buNone/>
-              <a:defRPr>
-                <a:solidFill>
-                  <a:schemeClr val="tx1">
-                    <a:tint val="75000"/>
-                  </a:schemeClr>
-                </a:solidFill>
-              </a:defRPr>
-            </a:lvl7pPr>
-            <a:lvl8pPr marL="2400300" indent="0" algn="ctr">
-              <a:buNone/>
-              <a:defRPr>
-                <a:solidFill>
-                  <a:schemeClr val="tx1">
-                    <a:tint val="75000"/>
-                  </a:schemeClr>
-                </a:solidFill>
-              </a:defRPr>
-            </a:lvl8pPr>
-            <a:lvl9pPr marL="2743200" indent="0" algn="ctr">
-              <a:buNone/>
-              <a:defRPr>
-                <a:solidFill>
-                  <a:schemeClr val="tx1">
-                    <a:tint val="75000"/>
-                  </a:schemeClr>
-                </a:solidFill>
-              </a:defRPr>
-            </a:lvl9pPr>
-          </a:lstStyle>
-          <a:p>
-            <a:r>
-              <a:rPr lang="zh-TW" altLang="en-US"/>
-              <a:t>按一下以編輯母片副標題樣式</a:t>
-            </a:r>
-            <a:endParaRPr lang="en-US" dirty="0"/>
-          </a:p>
-        </p:txBody>
-      </p:sp>
-      <p:sp>
-        <p:nvSpPr>
-          <p:cNvPr id="4" name="Date Placeholder 3"/>
-          <p:cNvSpPr>
-            <a:spLocks noGrp="1"/>
-          </p:cNvSpPr>
-          <p:nvPr>
-            <p:ph type="dt" sz="half" idx="10"/>
-          </p:nvPr>
-        </p:nvSpPr>
-        <p:spPr/>
-        <p:txBody>
-          <a:bodyPr/>
-          <a:lstStyle/>
-          <a:p>
-            <a:fld id="{EFE6EB62-44C9-40F9-A36C-E0D8E94446A8}" type="datetime1">
-              <a:rPr lang="zh-TW" altLang="en-US" smtClean="0"/>
-              <a:t>2026/1/8</a:t>
-            </a:fld>
-            <a:endParaRPr lang="zh-TW" altLang="en-US"/>
-          </a:p>
-        </p:txBody>
-      </p:sp>
-      <p:sp>
-        <p:nvSpPr>
-          <p:cNvPr id="5" name="Footer Placeholder 4"/>
-          <p:cNvSpPr>
-            <a:spLocks noGrp="1"/>
-          </p:cNvSpPr>
-          <p:nvPr>
-            <p:ph type="ftr" sz="quarter" idx="11"/>
-          </p:nvPr>
-        </p:nvSpPr>
-        <p:spPr/>
-        <p:txBody>
-          <a:bodyPr/>
-          <a:lstStyle/>
-          <a:p>
-            <a:endParaRPr lang="zh-TW" altLang="en-US"/>
-          </a:p>
-        </p:txBody>
-      </p:sp>
-      <p:sp>
-        <p:nvSpPr>
-          <p:cNvPr id="6" name="Slide Number Placeholder 5"/>
-          <p:cNvSpPr>
-            <a:spLocks noGrp="1"/>
-          </p:cNvSpPr>
-          <p:nvPr>
-            <p:ph type="sldNum" sz="quarter" idx="12"/>
-          </p:nvPr>
-        </p:nvSpPr>
-        <p:spPr/>
-        <p:txBody>
-          <a:bodyPr/>
-          <a:lstStyle/>
-          <a:p>
-            <a:fld id="{D747DD56-38EE-41AC-B578-8798F888B38C}" type="slidenum">
-              <a:rPr lang="zh-TW" altLang="en-US" smtClean="0"/>
-              <a:t>‹#›</a:t>
-            </a:fld>
-            <a:endParaRPr lang="zh-TW" altLang="en-US"/>
-          </a:p>
-        </p:txBody>
-      </p:sp>
-      <p:cxnSp>
-        <p:nvCxnSpPr>
-          <p:cNvPr id="8" name="Straight Connector 7"/>
-          <p:cNvCxnSpPr/>
-          <p:nvPr/>
-        </p:nvCxnSpPr>
-        <p:spPr>
-          <a:xfrm>
-            <a:off x="685800" y="2548890"/>
-            <a:ext cx="7848600" cy="1191"/>
-          </a:xfrm>
-          <a:prstGeom prst="line">
-            <a:avLst/>
-          </a:prstGeom>
-          <a:ln w="19050">
-            <a:solidFill>
-              <a:schemeClr val="tx2"/>
-            </a:solidFill>
-          </a:ln>
-        </p:spPr>
-        <p:style>
-          <a:lnRef idx="1">
-            <a:schemeClr val="accent1"/>
-          </a:lnRef>
-          <a:fillRef idx="0">
-            <a:schemeClr val="accent1"/>
-          </a:fillRef>
-          <a:effectRef idx="0">
-            <a:schemeClr val="accent1"/>
-          </a:effectRef>
-          <a:fontRef idx="minor">
-            <a:schemeClr val="tx1"/>
-          </a:fontRef>
-        </p:style>
-      </p:cxnSp>
-    </p:spTree>
-    <p:extLst>
-      <p:ext uri="{BB962C8B-B14F-4D97-AF65-F5344CB8AC3E}">
-        <p14:creationId xmlns:p14="http://schemas.microsoft.com/office/powerpoint/2010/main" val="2891572347"/>
-      </p:ext>
-    </p:extLst>
-  </p:cSld>
-  <p:clrMapOvr>
-    <a:masterClrMapping/>
-  </p:clrMapOvr>
-</p:sldLayout>
-</file>
-
 <file path=ppt/slideMasters/slideMaster1.xml><?xml version="1.0" encoding="utf-8"?>
 <p:sldMaster xmlns:a="http://schemas.openxmlformats.org/drawingml/2006/main" xmlns:r="http://schemas.openxmlformats.org/officeDocument/2006/relationships" xmlns:p="http://schemas.openxmlformats.org/presentationml/2006/main">
   <p:cSld>
     <p:bg>
       <p:bgPr>
         <a:blipFill dpi="0" rotWithShape="1">
-          <a:blip r:embed="rId9">
+          <a:blip r:embed="rId10">
             <a:lum/>
           </a:blip>
           <a:srcRect/>
@@ -7412,6 +8175,7 @@
     <p:sldLayoutId id="2147483732" r:id="rId5"/>
     <p:sldLayoutId id="2147483733" r:id="rId6"/>
     <p:sldLayoutId id="2147483734" r:id="rId7"/>
+    <p:sldLayoutId id="2147483760" r:id="rId8"/>
   </p:sldLayoutIdLst>
   <p:hf sldNum="0" hdr="0" ftr="0" dt="0"/>
   <p:txStyles>
@@ -8348,7 +9112,7 @@
           <a:p>
             <a:fld id="{295D6386-C4C1-4C16-B356-141A6C73770F}" type="datetime1">
               <a:rPr lang="zh-TW" altLang="en-US" smtClean="0"/>
-              <a:t>2026/1/8</a:t>
+              <a:t>2026/1/10</a:t>
             </a:fld>
             <a:endParaRPr lang="zh-TW" altLang="en-US"/>
           </a:p>
@@ -9304,6 +10068,90 @@
   <p:cSld>
     <p:spTree>
       <p:nvGrpSpPr>
+        <p:cNvPr id="1" name=""/>
+        <p:cNvGrpSpPr/>
+        <p:nvPr/>
+      </p:nvGrpSpPr>
+      <p:grpSpPr>
+        <a:xfrm>
+          <a:off x="0" y="0"/>
+          <a:ext cx="0" cy="0"/>
+          <a:chOff x="0" y="0"/>
+          <a:chExt cx="0" cy="0"/>
+        </a:xfrm>
+      </p:grpSpPr>
+      <p:sp>
+        <p:nvSpPr>
+          <p:cNvPr id="5" name="Google Shape;442;p1">
+            <a:extLst>
+              <a:ext uri="{FF2B5EF4-FFF2-40B4-BE49-F238E27FC236}">
+                <a16:creationId xmlns:a16="http://schemas.microsoft.com/office/drawing/2014/main" id="{3DAB1222-1AF5-C987-8017-D2A1508E3708}"/>
+              </a:ext>
+            </a:extLst>
+          </p:cNvPr>
+          <p:cNvSpPr txBox="1">
+            <a:spLocks noChangeAspect="1"/>
+          </p:cNvSpPr>
+          <p:nvPr/>
+        </p:nvSpPr>
+        <p:spPr>
+          <a:xfrm>
+            <a:off x="849085" y="1739650"/>
+            <a:ext cx="7445829" cy="1664199"/>
+          </a:xfrm>
+          <a:prstGeom prst="rect">
+            <a:avLst/>
+          </a:prstGeom>
+          <a:noFill/>
+          <a:ln>
+            <a:noFill/>
+          </a:ln>
+        </p:spPr>
+        <p:txBody>
+          <a:bodyPr spcFirstLastPara="1" wrap="square" lIns="67580" tIns="33848" rIns="67580" bIns="33848" anchor="ctr" anchorCtr="0">
+            <a:noAutofit/>
+          </a:bodyPr>
+          <a:lstStyle/>
+          <a:p>
+            <a:pPr algn="ctr">
+              <a:buClr>
+                <a:srgbClr val="833C0B"/>
+              </a:buClr>
+              <a:buSzPts val="3700"/>
+            </a:pPr>
+            <a:r>
+              <a:rPr lang="zh-TW" altLang="en-US" sz="3700" dirty="0">
+                <a:solidFill>
+                  <a:srgbClr val="1B366A"/>
+                </a:solidFill>
+                <a:latin typeface="華康新特明體" panose="02020909000000000000" pitchFamily="49" charset="-120"/>
+                <a:ea typeface="華康新特明體" panose="02020909000000000000" pitchFamily="49" charset="-120"/>
+                <a:cs typeface="Microsoft JhengHei"/>
+                <a:sym typeface="Microsoft JhengHei"/>
+              </a:rPr>
+              <a:t>聖經奉讀</a:t>
+            </a:r>
+          </a:p>
+        </p:txBody>
+      </p:sp>
+    </p:spTree>
+    <p:extLst>
+      <p:ext uri="{BB962C8B-B14F-4D97-AF65-F5344CB8AC3E}">
+        <p14:creationId xmlns:p14="http://schemas.microsoft.com/office/powerpoint/2010/main" val="1246291873"/>
+      </p:ext>
+    </p:extLst>
+  </p:cSld>
+  <p:clrMapOvr>
+    <a:masterClrMapping/>
+  </p:clrMapOvr>
+</p:sld>
+</file>
+
+<file path=ppt/slides/slide3.xml><?xml version="1.0" encoding="utf-8"?>
+<p:sld xmlns:a="http://schemas.openxmlformats.org/drawingml/2006/main" xmlns:r="http://schemas.openxmlformats.org/officeDocument/2006/relationships" xmlns:p="http://schemas.openxmlformats.org/presentationml/2006/main">
+  <p:cSld>
+    <p:spTree>
+      <p:nvGrpSpPr>
         <p:cNvPr id="1" name="">
           <a:extLst>
             <a:ext uri="{FF2B5EF4-FFF2-40B4-BE49-F238E27FC236}">
@@ -10049,7 +10897,7 @@
 </p:sld>
 </file>
 
-<file path=ppt/slides/slide3.xml><?xml version="1.0" encoding="utf-8"?>
+<file path=ppt/slides/slide4.xml><?xml version="1.0" encoding="utf-8"?>
 <p:sld xmlns:a="http://schemas.openxmlformats.org/drawingml/2006/main" xmlns:r="http://schemas.openxmlformats.org/officeDocument/2006/relationships" xmlns:p="http://schemas.openxmlformats.org/presentationml/2006/main">
   <p:cSld>
     <p:spTree>
@@ -10153,7 +11001,7 @@
 </p:sld>
 </file>
 
-<file path=ppt/slides/slide4.xml><?xml version="1.0" encoding="utf-8"?>
+<file path=ppt/slides/slide5.xml><?xml version="1.0" encoding="utf-8"?>
 <p:sld xmlns:a="http://schemas.openxmlformats.org/drawingml/2006/main" xmlns:r="http://schemas.openxmlformats.org/officeDocument/2006/relationships" xmlns:p="http://schemas.openxmlformats.org/presentationml/2006/main">
   <p:cSld>
     <p:bg>
